--- a/docs/图片.pptx
+++ b/docs/图片.pptx
@@ -5051,7 +5051,7 @@
         </p:nvSpPr>
         <p:spPr>
           <a:xfrm>
-            <a:off x="2085340" y="2153285"/>
+            <a:off x="1376680" y="2135505"/>
             <a:ext cx="1887855" cy="645795"/>
           </a:xfrm>
           <a:prstGeom prst="rect">
@@ -5115,7 +5115,7 @@
         </p:nvSpPr>
         <p:spPr>
           <a:xfrm>
-            <a:off x="5594350" y="2153285"/>
+            <a:off x="4885690" y="2135505"/>
             <a:ext cx="1887855" cy="645795"/>
           </a:xfrm>
           <a:prstGeom prst="rect">
@@ -5179,7 +5179,7 @@
         </p:nvSpPr>
         <p:spPr>
           <a:xfrm>
-            <a:off x="2085340" y="3583305"/>
+            <a:off x="1376680" y="3669665"/>
             <a:ext cx="1887855" cy="645795"/>
           </a:xfrm>
           <a:prstGeom prst="rect">
@@ -5243,7 +5243,7 @@
         </p:nvSpPr>
         <p:spPr>
           <a:xfrm>
-            <a:off x="2085340" y="5013325"/>
+            <a:off x="1376680" y="5274945"/>
             <a:ext cx="1887855" cy="645795"/>
           </a:xfrm>
           <a:prstGeom prst="rect">
@@ -5310,7 +5310,7 @@
         </p:nvCxnSpPr>
         <p:spPr>
           <a:xfrm>
-            <a:off x="3973195" y="2476500"/>
+            <a:off x="3264535" y="2458720"/>
             <a:ext cx="1621155" cy="0"/>
           </a:xfrm>
           <a:prstGeom prst="straightConnector1">
@@ -5349,8 +5349,8 @@
         </p:nvCxnSpPr>
         <p:spPr>
           <a:xfrm>
-            <a:off x="3029585" y="2799080"/>
-            <a:ext cx="0" cy="784225"/>
+            <a:off x="2320925" y="2781300"/>
+            <a:ext cx="0" cy="888365"/>
           </a:xfrm>
           <a:prstGeom prst="straightConnector1">
             <a:avLst/>
@@ -5388,8 +5388,8 @@
         </p:nvCxnSpPr>
         <p:spPr>
           <a:xfrm>
-            <a:off x="3029585" y="4229100"/>
-            <a:ext cx="0" cy="784225"/>
+            <a:off x="2320925" y="4315460"/>
+            <a:ext cx="0" cy="959485"/>
           </a:xfrm>
           <a:prstGeom prst="straightConnector1">
             <a:avLst/>
@@ -5424,7 +5424,7 @@
         </p:nvSpPr>
         <p:spPr>
           <a:xfrm>
-            <a:off x="1604645" y="4437380"/>
+            <a:off x="895985" y="4610735"/>
             <a:ext cx="1131570" cy="368300"/>
           </a:xfrm>
           <a:prstGeom prst="rect">
@@ -5439,13 +5439,15 @@
           <a:p>
             <a:r>
               <a:rPr lang="en-US" altLang="zh-CN">
-                <a:latin typeface="Arial" panose="020B0604020202020204" pitchFamily="34" charset="0"/>
+                <a:latin typeface="微软雅黑" panose="020B0503020204020204" charset="-122"/>
+                <a:ea typeface="微软雅黑" panose="020B0503020204020204" charset="-122"/>
                 <a:cs typeface="Arial" panose="020B0604020202020204" pitchFamily="34" charset="0"/>
               </a:rPr>
               <a:t>SHA256</a:t>
             </a:r>
             <a:endParaRPr lang="en-US" altLang="zh-CN">
-              <a:latin typeface="Arial" panose="020B0604020202020204" pitchFamily="34" charset="0"/>
+              <a:latin typeface="微软雅黑" panose="020B0503020204020204" charset="-122"/>
+              <a:ea typeface="微软雅黑" panose="020B0503020204020204" charset="-122"/>
               <a:cs typeface="Arial" panose="020B0604020202020204" pitchFamily="34" charset="0"/>
             </a:endParaRPr>
           </a:p>
@@ -5459,7 +5461,7 @@
         </p:nvSpPr>
         <p:spPr>
           <a:xfrm>
-            <a:off x="4217670" y="2000885"/>
+            <a:off x="3509010" y="1983105"/>
             <a:ext cx="1131570" cy="368300"/>
           </a:xfrm>
           <a:prstGeom prst="rect">
@@ -5474,13 +5476,15 @@
           <a:p>
             <a:r>
               <a:rPr lang="en-US" altLang="zh-CN">
-                <a:latin typeface="Arial" panose="020B0604020202020204" pitchFamily="34" charset="0"/>
+                <a:latin typeface="微软雅黑" panose="020B0503020204020204" charset="-122"/>
+                <a:ea typeface="微软雅黑" panose="020B0503020204020204" charset="-122"/>
                 <a:cs typeface="Arial" panose="020B0604020202020204" pitchFamily="34" charset="0"/>
               </a:rPr>
               <a:t>SHA256</a:t>
             </a:r>
             <a:endParaRPr lang="en-US" altLang="zh-CN">
-              <a:latin typeface="Arial" panose="020B0604020202020204" pitchFamily="34" charset="0"/>
+              <a:latin typeface="微软雅黑" panose="020B0503020204020204" charset="-122"/>
+              <a:ea typeface="微软雅黑" panose="020B0503020204020204" charset="-122"/>
               <a:cs typeface="Arial" panose="020B0604020202020204" pitchFamily="34" charset="0"/>
             </a:endParaRPr>
           </a:p>
@@ -5496,7 +5500,7 @@
         </p:nvCxnSpPr>
         <p:spPr>
           <a:xfrm rot="5400000">
-            <a:off x="4617085" y="1267460"/>
+            <a:off x="3908425" y="1249680"/>
             <a:ext cx="390525" cy="3452495"/>
           </a:xfrm>
           <a:prstGeom prst="bentConnector2">
@@ -5532,7 +5536,7 @@
         </p:nvSpPr>
         <p:spPr>
           <a:xfrm>
-            <a:off x="4516755" y="3188970"/>
+            <a:off x="3808095" y="3171190"/>
             <a:ext cx="1224280" cy="368300"/>
           </a:xfrm>
           <a:prstGeom prst="rect">
@@ -5567,7 +5571,7 @@
         </p:nvSpPr>
         <p:spPr>
           <a:xfrm>
-            <a:off x="1254125" y="3006725"/>
+            <a:off x="545465" y="2988945"/>
             <a:ext cx="1831975" cy="368300"/>
           </a:xfrm>
           <a:prstGeom prst="rect">
@@ -5582,14 +5586,695 @@
           <a:p>
             <a:r>
               <a:rPr lang="zh-CN" altLang="en-US">
-                <a:latin typeface="Arial" panose="020B0604020202020204" pitchFamily="34" charset="0"/>
+                <a:latin typeface="微软雅黑" panose="020B0503020204020204" charset="-122"/>
+                <a:ea typeface="微软雅黑" panose="020B0503020204020204" charset="-122"/>
                 <a:cs typeface="Arial" panose="020B0604020202020204" pitchFamily="34" charset="0"/>
               </a:rPr>
               <a:t>AES-256-CTR</a:t>
             </a:r>
             <a:endParaRPr lang="zh-CN" altLang="en-US">
-              <a:latin typeface="Arial" panose="020B0604020202020204" pitchFamily="34" charset="0"/>
+              <a:latin typeface="微软雅黑" panose="020B0503020204020204" charset="-122"/>
+              <a:ea typeface="微软雅黑" panose="020B0503020204020204" charset="-122"/>
               <a:cs typeface="Arial" panose="020B0604020202020204" pitchFamily="34" charset="0"/>
+            </a:endParaRPr>
+          </a:p>
+        </p:txBody>
+      </p:sp>
+      <p:sp>
+        <p:nvSpPr>
+          <p:cNvPr id="15" name="圆角矩形 14"/>
+          <p:cNvSpPr/>
+          <p:nvPr/>
+        </p:nvSpPr>
+        <p:spPr>
+          <a:xfrm>
+            <a:off x="7322820" y="1691640"/>
+            <a:ext cx="3441065" cy="1479550"/>
+          </a:xfrm>
+          <a:prstGeom prst="roundRect">
+            <a:avLst/>
+          </a:prstGeom>
+          <a:solidFill>
+            <a:srgbClr val="B6C7EA">
+              <a:alpha val="36000"/>
+            </a:srgbClr>
+          </a:solidFill>
+          <a:ln>
+            <a:noFill/>
+          </a:ln>
+        </p:spPr>
+        <p:style>
+          <a:lnRef idx="2">
+            <a:schemeClr val="accent1">
+              <a:lumMod val="75000"/>
+            </a:schemeClr>
+          </a:lnRef>
+          <a:fillRef idx="1">
+            <a:schemeClr val="accent1"/>
+          </a:fillRef>
+          <a:effectRef idx="0">
+            <a:srgbClr val="FFFFFF"/>
+          </a:effectRef>
+          <a:fontRef idx="minor">
+            <a:schemeClr val="lt1"/>
+          </a:fontRef>
+        </p:style>
+        <p:txBody>
+          <a:bodyPr rtlCol="0" anchor="ctr"/>
+          <a:p>
+            <a:pPr algn="ctr"/>
+            <a:endParaRPr lang="en-US" altLang="zh-CN">
+              <a:solidFill>
+                <a:schemeClr val="tx1"/>
+              </a:solidFill>
+              <a:latin typeface="微软雅黑" panose="020B0503020204020204" charset="-122"/>
+              <a:ea typeface="微软雅黑" panose="020B0503020204020204" charset="-122"/>
+              <a:cs typeface="Arial" panose="020B0604020202020204" pitchFamily="34" charset="0"/>
+            </a:endParaRPr>
+          </a:p>
+        </p:txBody>
+      </p:sp>
+      <p:sp>
+        <p:nvSpPr>
+          <p:cNvPr id="16" name="矩形 15"/>
+          <p:cNvSpPr/>
+          <p:nvPr/>
+        </p:nvSpPr>
+        <p:spPr>
+          <a:xfrm>
+            <a:off x="8099425" y="2132330"/>
+            <a:ext cx="1887855" cy="645795"/>
+          </a:xfrm>
+          <a:prstGeom prst="rect">
+            <a:avLst/>
+          </a:prstGeom>
+          <a:solidFill>
+            <a:schemeClr val="accent3">
+              <a:lumMod val="60000"/>
+              <a:lumOff val="40000"/>
+            </a:schemeClr>
+          </a:solidFill>
+          <a:ln>
+            <a:noFill/>
+          </a:ln>
+        </p:spPr>
+        <p:style>
+          <a:lnRef idx="2">
+            <a:schemeClr val="accent1">
+              <a:lumMod val="75000"/>
+            </a:schemeClr>
+          </a:lnRef>
+          <a:fillRef idx="1">
+            <a:schemeClr val="accent1"/>
+          </a:fillRef>
+          <a:effectRef idx="0">
+            <a:srgbClr val="FFFFFF"/>
+          </a:effectRef>
+          <a:fontRef idx="minor">
+            <a:schemeClr val="lt1"/>
+          </a:fontRef>
+        </p:style>
+        <p:txBody>
+          <a:bodyPr rtlCol="0" anchor="ctr"/>
+          <a:p>
+            <a:pPr algn="ctr"/>
+            <a:r>
+              <a:rPr lang="zh-CN" altLang="en-US" sz="2400">
+                <a:solidFill>
+                  <a:schemeClr val="tx1"/>
+                </a:solidFill>
+                <a:latin typeface="微软雅黑" panose="020B0503020204020204" charset="-122"/>
+                <a:ea typeface="微软雅黑" panose="020B0503020204020204" charset="-122"/>
+              </a:rPr>
+              <a:t>文件的哈希</a:t>
+            </a:r>
+            <a:endParaRPr lang="zh-CN" altLang="en-US" sz="2400">
+              <a:solidFill>
+                <a:schemeClr val="tx1"/>
+              </a:solidFill>
+              <a:latin typeface="微软雅黑" panose="020B0503020204020204" charset="-122"/>
+              <a:ea typeface="微软雅黑" panose="020B0503020204020204" charset="-122"/>
+            </a:endParaRPr>
+          </a:p>
+        </p:txBody>
+      </p:sp>
+      <p:sp>
+        <p:nvSpPr>
+          <p:cNvPr id="17" name="圆角矩形 16"/>
+          <p:cNvSpPr/>
+          <p:nvPr/>
+        </p:nvSpPr>
+        <p:spPr>
+          <a:xfrm>
+            <a:off x="7322820" y="3368040"/>
+            <a:ext cx="3441065" cy="1479550"/>
+          </a:xfrm>
+          <a:prstGeom prst="roundRect">
+            <a:avLst/>
+          </a:prstGeom>
+          <a:solidFill>
+            <a:srgbClr val="B6C7EA">
+              <a:alpha val="36000"/>
+            </a:srgbClr>
+          </a:solidFill>
+          <a:ln>
+            <a:noFill/>
+          </a:ln>
+        </p:spPr>
+        <p:style>
+          <a:lnRef idx="2">
+            <a:schemeClr val="accent1">
+              <a:lumMod val="75000"/>
+            </a:schemeClr>
+          </a:lnRef>
+          <a:fillRef idx="1">
+            <a:schemeClr val="accent1"/>
+          </a:fillRef>
+          <a:effectRef idx="0">
+            <a:srgbClr val="FFFFFF"/>
+          </a:effectRef>
+          <a:fontRef idx="minor">
+            <a:schemeClr val="lt1"/>
+          </a:fontRef>
+        </p:style>
+        <p:txBody>
+          <a:bodyPr rtlCol="0" anchor="ctr"/>
+          <a:p>
+            <a:pPr algn="ctr"/>
+            <a:endParaRPr lang="en-US" altLang="zh-CN">
+              <a:solidFill>
+                <a:schemeClr val="tx1"/>
+              </a:solidFill>
+              <a:latin typeface="微软雅黑" panose="020B0503020204020204" charset="-122"/>
+              <a:ea typeface="微软雅黑" panose="020B0503020204020204" charset="-122"/>
+              <a:cs typeface="Arial" panose="020B0604020202020204" pitchFamily="34" charset="0"/>
+            </a:endParaRPr>
+          </a:p>
+        </p:txBody>
+      </p:sp>
+      <p:sp>
+        <p:nvSpPr>
+          <p:cNvPr id="18" name="圆角矩形 17"/>
+          <p:cNvSpPr/>
+          <p:nvPr/>
+        </p:nvSpPr>
+        <p:spPr>
+          <a:xfrm>
+            <a:off x="7322820" y="4995545"/>
+            <a:ext cx="3441065" cy="1479550"/>
+          </a:xfrm>
+          <a:prstGeom prst="roundRect">
+            <a:avLst/>
+          </a:prstGeom>
+          <a:solidFill>
+            <a:srgbClr val="B6C7EA">
+              <a:alpha val="36000"/>
+            </a:srgbClr>
+          </a:solidFill>
+          <a:ln>
+            <a:noFill/>
+          </a:ln>
+        </p:spPr>
+        <p:style>
+          <a:lnRef idx="2">
+            <a:schemeClr val="accent1">
+              <a:lumMod val="75000"/>
+            </a:schemeClr>
+          </a:lnRef>
+          <a:fillRef idx="1">
+            <a:schemeClr val="accent1"/>
+          </a:fillRef>
+          <a:effectRef idx="0">
+            <a:srgbClr val="FFFFFF"/>
+          </a:effectRef>
+          <a:fontRef idx="minor">
+            <a:schemeClr val="lt1"/>
+          </a:fontRef>
+        </p:style>
+        <p:txBody>
+          <a:bodyPr rtlCol="0" anchor="ctr"/>
+          <a:p>
+            <a:pPr algn="ctr"/>
+            <a:endParaRPr lang="en-US" altLang="zh-CN">
+              <a:solidFill>
+                <a:schemeClr val="tx1"/>
+              </a:solidFill>
+              <a:latin typeface="微软雅黑" panose="020B0503020204020204" charset="-122"/>
+              <a:ea typeface="微软雅黑" panose="020B0503020204020204" charset="-122"/>
+              <a:cs typeface="Arial" panose="020B0604020202020204" pitchFamily="34" charset="0"/>
+            </a:endParaRPr>
+          </a:p>
+        </p:txBody>
+      </p:sp>
+      <p:sp>
+        <p:nvSpPr>
+          <p:cNvPr id="19" name="矩形 18"/>
+          <p:cNvSpPr/>
+          <p:nvPr/>
+        </p:nvSpPr>
+        <p:spPr>
+          <a:xfrm>
+            <a:off x="8099425" y="5412105"/>
+            <a:ext cx="1887855" cy="645795"/>
+          </a:xfrm>
+          <a:prstGeom prst="rect">
+            <a:avLst/>
+          </a:prstGeom>
+          <a:solidFill>
+            <a:schemeClr val="accent3">
+              <a:lumMod val="60000"/>
+              <a:lumOff val="40000"/>
+            </a:schemeClr>
+          </a:solidFill>
+          <a:ln>
+            <a:noFill/>
+          </a:ln>
+        </p:spPr>
+        <p:style>
+          <a:lnRef idx="2">
+            <a:schemeClr val="accent1">
+              <a:lumMod val="75000"/>
+            </a:schemeClr>
+          </a:lnRef>
+          <a:fillRef idx="1">
+            <a:schemeClr val="accent1"/>
+          </a:fillRef>
+          <a:effectRef idx="0">
+            <a:srgbClr val="FFFFFF"/>
+          </a:effectRef>
+          <a:fontRef idx="minor">
+            <a:schemeClr val="lt1"/>
+          </a:fontRef>
+        </p:style>
+        <p:txBody>
+          <a:bodyPr rtlCol="0" anchor="ctr"/>
+          <a:p>
+            <a:pPr algn="ctr"/>
+            <a:r>
+              <a:rPr lang="zh-CN" altLang="en-US" sz="2400">
+                <a:solidFill>
+                  <a:schemeClr val="tx1"/>
+                </a:solidFill>
+                <a:latin typeface="微软雅黑" panose="020B0503020204020204" charset="-122"/>
+                <a:ea typeface="微软雅黑" panose="020B0503020204020204" charset="-122"/>
+              </a:rPr>
+              <a:t>密文的哈希</a:t>
+            </a:r>
+            <a:endParaRPr lang="zh-CN" altLang="en-US" sz="2400">
+              <a:solidFill>
+                <a:schemeClr val="tx1"/>
+              </a:solidFill>
+              <a:latin typeface="微软雅黑" panose="020B0503020204020204" charset="-122"/>
+              <a:ea typeface="微软雅黑" panose="020B0503020204020204" charset="-122"/>
+            </a:endParaRPr>
+          </a:p>
+        </p:txBody>
+      </p:sp>
+      <p:sp>
+        <p:nvSpPr>
+          <p:cNvPr id="20" name="矩形 19"/>
+          <p:cNvSpPr/>
+          <p:nvPr/>
+        </p:nvSpPr>
+        <p:spPr>
+          <a:xfrm>
+            <a:off x="8099425" y="3760470"/>
+            <a:ext cx="1887855" cy="645795"/>
+          </a:xfrm>
+          <a:prstGeom prst="rect">
+            <a:avLst/>
+          </a:prstGeom>
+          <a:solidFill>
+            <a:schemeClr val="accent3">
+              <a:lumMod val="60000"/>
+              <a:lumOff val="40000"/>
+            </a:schemeClr>
+          </a:solidFill>
+          <a:ln>
+            <a:noFill/>
+          </a:ln>
+        </p:spPr>
+        <p:style>
+          <a:lnRef idx="2">
+            <a:schemeClr val="accent1">
+              <a:lumMod val="75000"/>
+            </a:schemeClr>
+          </a:lnRef>
+          <a:fillRef idx="1">
+            <a:schemeClr val="accent1"/>
+          </a:fillRef>
+          <a:effectRef idx="0">
+            <a:srgbClr val="FFFFFF"/>
+          </a:effectRef>
+          <a:fontRef idx="minor">
+            <a:schemeClr val="lt1"/>
+          </a:fontRef>
+        </p:style>
+        <p:txBody>
+          <a:bodyPr rtlCol="0" anchor="ctr"/>
+          <a:p>
+            <a:pPr algn="ctr"/>
+            <a:r>
+              <a:rPr lang="zh-CN" altLang="en-US" sz="2400">
+                <a:solidFill>
+                  <a:schemeClr val="tx1"/>
+                </a:solidFill>
+                <a:latin typeface="微软雅黑" panose="020B0503020204020204" charset="-122"/>
+                <a:ea typeface="微软雅黑" panose="020B0503020204020204" charset="-122"/>
+              </a:rPr>
+              <a:t>加密后文件</a:t>
+            </a:r>
+            <a:endParaRPr lang="zh-CN" altLang="en-US" sz="2400">
+              <a:solidFill>
+                <a:schemeClr val="tx1"/>
+              </a:solidFill>
+              <a:latin typeface="微软雅黑" panose="020B0503020204020204" charset="-122"/>
+              <a:ea typeface="微软雅黑" panose="020B0503020204020204" charset="-122"/>
+            </a:endParaRPr>
+          </a:p>
+        </p:txBody>
+      </p:sp>
+      <p:sp>
+        <p:nvSpPr>
+          <p:cNvPr id="21" name="右箭头 20"/>
+          <p:cNvSpPr/>
+          <p:nvPr/>
+        </p:nvSpPr>
+        <p:spPr>
+          <a:xfrm>
+            <a:off x="6873240" y="2245995"/>
+            <a:ext cx="980440" cy="418465"/>
+          </a:xfrm>
+          <a:prstGeom prst="rightArrow">
+            <a:avLst/>
+          </a:prstGeom>
+          <a:solidFill>
+            <a:schemeClr val="accent5">
+              <a:lumMod val="75000"/>
+            </a:schemeClr>
+          </a:solidFill>
+          <a:ln>
+            <a:noFill/>
+          </a:ln>
+        </p:spPr>
+        <p:style>
+          <a:lnRef idx="2">
+            <a:schemeClr val="accent1">
+              <a:lumMod val="75000"/>
+            </a:schemeClr>
+          </a:lnRef>
+          <a:fillRef idx="1">
+            <a:schemeClr val="accent1"/>
+          </a:fillRef>
+          <a:effectRef idx="0">
+            <a:srgbClr val="FFFFFF"/>
+          </a:effectRef>
+          <a:fontRef idx="minor">
+            <a:schemeClr val="lt1"/>
+          </a:fontRef>
+        </p:style>
+        <p:txBody>
+          <a:bodyPr rtlCol="0" anchor="ctr"/>
+          <a:p>
+            <a:pPr algn="ctr"/>
+            <a:endParaRPr lang="zh-CN" altLang="en-US">
+              <a:latin typeface="微软雅黑" panose="020B0503020204020204" charset="-122"/>
+              <a:ea typeface="微软雅黑" panose="020B0503020204020204" charset="-122"/>
+            </a:endParaRPr>
+          </a:p>
+        </p:txBody>
+      </p:sp>
+      <p:sp>
+        <p:nvSpPr>
+          <p:cNvPr id="22" name="右箭头 21"/>
+          <p:cNvSpPr/>
+          <p:nvPr/>
+        </p:nvSpPr>
+        <p:spPr>
+          <a:xfrm>
+            <a:off x="3398520" y="3760470"/>
+            <a:ext cx="4211955" cy="532130"/>
+          </a:xfrm>
+          <a:prstGeom prst="rightArrow">
+            <a:avLst/>
+          </a:prstGeom>
+          <a:solidFill>
+            <a:schemeClr val="accent5">
+              <a:lumMod val="75000"/>
+            </a:schemeClr>
+          </a:solidFill>
+          <a:ln>
+            <a:noFill/>
+          </a:ln>
+        </p:spPr>
+        <p:style>
+          <a:lnRef idx="2">
+            <a:schemeClr val="accent1">
+              <a:lumMod val="75000"/>
+            </a:schemeClr>
+          </a:lnRef>
+          <a:fillRef idx="1">
+            <a:schemeClr val="accent1"/>
+          </a:fillRef>
+          <a:effectRef idx="0">
+            <a:srgbClr val="FFFFFF"/>
+          </a:effectRef>
+          <a:fontRef idx="minor">
+            <a:schemeClr val="lt1"/>
+          </a:fontRef>
+        </p:style>
+        <p:txBody>
+          <a:bodyPr rtlCol="0" anchor="ctr"/>
+          <a:p>
+            <a:pPr algn="ctr"/>
+            <a:endParaRPr lang="zh-CN" altLang="en-US">
+              <a:latin typeface="微软雅黑" panose="020B0503020204020204" charset="-122"/>
+              <a:ea typeface="微软雅黑" panose="020B0503020204020204" charset="-122"/>
+            </a:endParaRPr>
+          </a:p>
+        </p:txBody>
+      </p:sp>
+      <p:sp>
+        <p:nvSpPr>
+          <p:cNvPr id="23" name="右箭头 22"/>
+          <p:cNvSpPr/>
+          <p:nvPr/>
+        </p:nvSpPr>
+        <p:spPr>
+          <a:xfrm>
+            <a:off x="3509010" y="5388610"/>
+            <a:ext cx="4211955" cy="532130"/>
+          </a:xfrm>
+          <a:prstGeom prst="rightArrow">
+            <a:avLst/>
+          </a:prstGeom>
+          <a:solidFill>
+            <a:schemeClr val="accent5">
+              <a:lumMod val="75000"/>
+            </a:schemeClr>
+          </a:solidFill>
+          <a:ln>
+            <a:noFill/>
+          </a:ln>
+        </p:spPr>
+        <p:style>
+          <a:lnRef idx="2">
+            <a:schemeClr val="accent1">
+              <a:lumMod val="75000"/>
+            </a:schemeClr>
+          </a:lnRef>
+          <a:fillRef idx="1">
+            <a:schemeClr val="accent1"/>
+          </a:fillRef>
+          <a:effectRef idx="0">
+            <a:srgbClr val="FFFFFF"/>
+          </a:effectRef>
+          <a:fontRef idx="minor">
+            <a:schemeClr val="lt1"/>
+          </a:fontRef>
+        </p:style>
+        <p:txBody>
+          <a:bodyPr rtlCol="0" anchor="ctr"/>
+          <a:p>
+            <a:pPr algn="ctr"/>
+            <a:endParaRPr lang="zh-CN" altLang="en-US">
+              <a:latin typeface="微软雅黑" panose="020B0503020204020204" charset="-122"/>
+              <a:ea typeface="微软雅黑" panose="020B0503020204020204" charset="-122"/>
+            </a:endParaRPr>
+          </a:p>
+        </p:txBody>
+      </p:sp>
+      <p:sp>
+        <p:nvSpPr>
+          <p:cNvPr id="24" name="文本框 23"/>
+          <p:cNvSpPr txBox="1"/>
+          <p:nvPr/>
+        </p:nvSpPr>
+        <p:spPr>
+          <a:xfrm>
+            <a:off x="10763885" y="2245995"/>
+            <a:ext cx="1709420" cy="368300"/>
+          </a:xfrm>
+          <a:prstGeom prst="rect">
+            <a:avLst/>
+          </a:prstGeom>
+          <a:noFill/>
+        </p:spPr>
+        <p:txBody>
+          <a:bodyPr wrap="square" rtlCol="0">
+            <a:spAutoFit/>
+          </a:bodyPr>
+          <a:p>
+            <a:r>
+              <a:rPr lang="zh-CN" altLang="en-US">
+                <a:latin typeface="微软雅黑" panose="020B0503020204020204" charset="-122"/>
+                <a:ea typeface="微软雅黑" panose="020B0503020204020204" charset="-122"/>
+              </a:rPr>
+              <a:t>文件上传者</a:t>
+            </a:r>
+            <a:endParaRPr lang="zh-CN" altLang="en-US">
+              <a:latin typeface="微软雅黑" panose="020B0503020204020204" charset="-122"/>
+              <a:ea typeface="微软雅黑" panose="020B0503020204020204" charset="-122"/>
+            </a:endParaRPr>
+          </a:p>
+        </p:txBody>
+      </p:sp>
+      <p:sp>
+        <p:nvSpPr>
+          <p:cNvPr id="25" name="文本框 24"/>
+          <p:cNvSpPr txBox="1"/>
+          <p:nvPr/>
+        </p:nvSpPr>
+        <p:spPr>
+          <a:xfrm>
+            <a:off x="10763885" y="5552440"/>
+            <a:ext cx="1430020" cy="368300"/>
+          </a:xfrm>
+          <a:prstGeom prst="rect">
+            <a:avLst/>
+          </a:prstGeom>
+          <a:noFill/>
+        </p:spPr>
+        <p:txBody>
+          <a:bodyPr wrap="square" rtlCol="0">
+            <a:spAutoFit/>
+          </a:bodyPr>
+          <a:p>
+            <a:r>
+              <a:rPr lang="zh-CN" altLang="en-US">
+                <a:latin typeface="微软雅黑" panose="020B0503020204020204" charset="-122"/>
+                <a:ea typeface="微软雅黑" panose="020B0503020204020204" charset="-122"/>
+              </a:rPr>
+              <a:t>区块链记录</a:t>
+            </a:r>
+            <a:endParaRPr lang="zh-CN" altLang="en-US">
+              <a:latin typeface="微软雅黑" panose="020B0503020204020204" charset="-122"/>
+              <a:ea typeface="微软雅黑" panose="020B0503020204020204" charset="-122"/>
+            </a:endParaRPr>
+          </a:p>
+        </p:txBody>
+      </p:sp>
+      <p:sp>
+        <p:nvSpPr>
+          <p:cNvPr id="26" name="文本框 25"/>
+          <p:cNvSpPr txBox="1"/>
+          <p:nvPr/>
+        </p:nvSpPr>
+        <p:spPr>
+          <a:xfrm>
+            <a:off x="10684510" y="3842385"/>
+            <a:ext cx="1789430" cy="368300"/>
+          </a:xfrm>
+          <a:prstGeom prst="rect">
+            <a:avLst/>
+          </a:prstGeom>
+          <a:noFill/>
+        </p:spPr>
+        <p:txBody>
+          <a:bodyPr wrap="square" rtlCol="0">
+            <a:spAutoFit/>
+          </a:bodyPr>
+          <a:p>
+            <a:r>
+              <a:rPr lang="zh-CN" altLang="en-US">
+                <a:latin typeface="微软雅黑" panose="020B0503020204020204" charset="-122"/>
+                <a:ea typeface="微软雅黑" panose="020B0503020204020204" charset="-122"/>
+              </a:rPr>
+              <a:t>共享存储空间</a:t>
+            </a:r>
+            <a:endParaRPr lang="zh-CN" altLang="en-US">
+              <a:latin typeface="微软雅黑" panose="020B0503020204020204" charset="-122"/>
+              <a:ea typeface="微软雅黑" panose="020B0503020204020204" charset="-122"/>
+            </a:endParaRPr>
+          </a:p>
+        </p:txBody>
+      </p:sp>
+      <p:sp>
+        <p:nvSpPr>
+          <p:cNvPr id="27" name="文本框 26"/>
+          <p:cNvSpPr txBox="1"/>
+          <p:nvPr/>
+        </p:nvSpPr>
+        <p:spPr>
+          <a:xfrm>
+            <a:off x="2864485" y="1185545"/>
+            <a:ext cx="2167890" cy="368300"/>
+          </a:xfrm>
+          <a:prstGeom prst="rect">
+            <a:avLst/>
+          </a:prstGeom>
+          <a:noFill/>
+        </p:spPr>
+        <p:txBody>
+          <a:bodyPr wrap="square" rtlCol="0">
+            <a:spAutoFit/>
+          </a:bodyPr>
+          <a:p>
+            <a:r>
+              <a:rPr lang="zh-CN" altLang="en-US" b="1">
+                <a:latin typeface="微软雅黑" panose="020B0503020204020204" charset="-122"/>
+                <a:ea typeface="微软雅黑" panose="020B0503020204020204" charset="-122"/>
+              </a:rPr>
+              <a:t>文件加密上传流程</a:t>
+            </a:r>
+            <a:endParaRPr lang="zh-CN" altLang="en-US" b="1">
+              <a:latin typeface="微软雅黑" panose="020B0503020204020204" charset="-122"/>
+              <a:ea typeface="微软雅黑" panose="020B0503020204020204" charset="-122"/>
+            </a:endParaRPr>
+          </a:p>
+        </p:txBody>
+      </p:sp>
+      <p:sp>
+        <p:nvSpPr>
+          <p:cNvPr id="28" name="文本框 27"/>
+          <p:cNvSpPr txBox="1"/>
+          <p:nvPr/>
+        </p:nvSpPr>
+        <p:spPr>
+          <a:xfrm>
+            <a:off x="8509000" y="1243330"/>
+            <a:ext cx="1299845" cy="368300"/>
+          </a:xfrm>
+          <a:prstGeom prst="rect">
+            <a:avLst/>
+          </a:prstGeom>
+          <a:noFill/>
+        </p:spPr>
+        <p:txBody>
+          <a:bodyPr wrap="square" rtlCol="0">
+            <a:spAutoFit/>
+          </a:bodyPr>
+          <a:p>
+            <a:r>
+              <a:rPr lang="zh-CN" altLang="en-US" b="1">
+                <a:latin typeface="微软雅黑" panose="020B0503020204020204" charset="-122"/>
+                <a:ea typeface="微软雅黑" panose="020B0503020204020204" charset="-122"/>
+              </a:rPr>
+              <a:t>存储空间</a:t>
+            </a:r>
+            <a:endParaRPr lang="zh-CN" altLang="en-US" b="1">
+              <a:latin typeface="微软雅黑" panose="020B0503020204020204" charset="-122"/>
+              <a:ea typeface="微软雅黑" panose="020B0503020204020204" charset="-122"/>
             </a:endParaRPr>
           </a:p>
         </p:txBody>

--- a/docs/图片.pptx
+++ b/docs/图片.pptx
@@ -5,15 +5,16 @@
     <p:sldMasterId id="2147483648" r:id="rId1"/>
   </p:sldMasterIdLst>
   <p:notesMasterIdLst>
-    <p:notesMasterId r:id="rId4"/>
+    <p:notesMasterId r:id="rId5"/>
   </p:notesMasterIdLst>
   <p:sldIdLst>
     <p:sldId id="300" r:id="rId3"/>
+    <p:sldId id="301" r:id="rId4"/>
   </p:sldIdLst>
   <p:sldSz cx="12192000" cy="6858000"/>
   <p:notesSz cx="6858000" cy="9144000"/>
   <p:custDataLst>
-    <p:tags r:id="rId8"/>
+    <p:tags r:id="rId9"/>
   </p:custDataLst>
   <p:defaultTextStyle>
     <a:defPPr>
@@ -116,6 +117,7 @@
         <p14:section name="工程项目经验" id="{987c5df3-be25-40d7-a9f9-201a956e076c}">
           <p14:sldIdLst>
             <p14:sldId id="300"/>
+            <p14:sldId id="301"/>
           </p14:sldIdLst>
         </p14:section>
       </p14:sectionLst>
@@ -6276,6 +6278,1031 @@
               <a:latin typeface="微软雅黑" panose="020B0503020204020204" charset="-122"/>
               <a:ea typeface="微软雅黑" panose="020B0503020204020204" charset="-122"/>
             </a:endParaRPr>
+          </a:p>
+        </p:txBody>
+      </p:sp>
+    </p:spTree>
+  </p:cSld>
+  <p:clrMapOvr>
+    <a:masterClrMapping/>
+  </p:clrMapOvr>
+</p:sld>
+</file>
+
+<file path=ppt/slides/slide2.xml><?xml version="1.0" encoding="utf-8"?>
+<p:sld xmlns:a="http://schemas.openxmlformats.org/drawingml/2006/main" xmlns:r="http://schemas.openxmlformats.org/officeDocument/2006/relationships" xmlns:p="http://schemas.openxmlformats.org/presentationml/2006/main">
+  <p:cSld>
+    <p:spTree>
+      <p:nvGrpSpPr>
+        <p:cNvPr id="1" name=""/>
+        <p:cNvGrpSpPr/>
+        <p:nvPr/>
+      </p:nvGrpSpPr>
+      <p:grpSpPr/>
+      <p:sp>
+        <p:nvSpPr>
+          <p:cNvPr id="4" name="矩形 3"/>
+          <p:cNvSpPr/>
+          <p:nvPr/>
+        </p:nvSpPr>
+        <p:spPr>
+          <a:xfrm>
+            <a:off x="289560" y="2783205"/>
+            <a:ext cx="1887855" cy="645795"/>
+          </a:xfrm>
+          <a:prstGeom prst="rect">
+            <a:avLst/>
+          </a:prstGeom>
+          <a:solidFill>
+            <a:schemeClr val="accent3">
+              <a:lumMod val="60000"/>
+              <a:lumOff val="40000"/>
+            </a:schemeClr>
+          </a:solidFill>
+          <a:ln>
+            <a:noFill/>
+          </a:ln>
+        </p:spPr>
+        <p:style>
+          <a:lnRef idx="2">
+            <a:schemeClr val="accent1">
+              <a:lumMod val="75000"/>
+            </a:schemeClr>
+          </a:lnRef>
+          <a:fillRef idx="1">
+            <a:schemeClr val="accent1"/>
+          </a:fillRef>
+          <a:effectRef idx="0">
+            <a:srgbClr val="FFFFFF"/>
+          </a:effectRef>
+          <a:fontRef idx="minor">
+            <a:schemeClr val="lt1"/>
+          </a:fontRef>
+        </p:style>
+        <p:txBody>
+          <a:bodyPr rtlCol="0" anchor="ctr"/>
+          <a:p>
+            <a:pPr algn="ctr"/>
+            <a:r>
+              <a:rPr lang="zh-CN" altLang="en-US">
+                <a:solidFill>
+                  <a:schemeClr val="tx1"/>
+                </a:solidFill>
+                <a:latin typeface="微软雅黑" panose="020B0503020204020204" charset="-122"/>
+                <a:ea typeface="微软雅黑" panose="020B0503020204020204" charset="-122"/>
+              </a:rPr>
+              <a:t>创建用户</a:t>
+            </a:r>
+            <a:endParaRPr lang="zh-CN" altLang="en-US">
+              <a:solidFill>
+                <a:schemeClr val="tx1"/>
+              </a:solidFill>
+              <a:latin typeface="微软雅黑" panose="020B0503020204020204" charset="-122"/>
+              <a:ea typeface="微软雅黑" panose="020B0503020204020204" charset="-122"/>
+            </a:endParaRPr>
+          </a:p>
+        </p:txBody>
+      </p:sp>
+      <p:sp>
+        <p:nvSpPr>
+          <p:cNvPr id="29" name="矩形 28"/>
+          <p:cNvSpPr/>
+          <p:nvPr/>
+        </p:nvSpPr>
+        <p:spPr>
+          <a:xfrm>
+            <a:off x="4256405" y="1731645"/>
+            <a:ext cx="1887855" cy="645795"/>
+          </a:xfrm>
+          <a:prstGeom prst="rect">
+            <a:avLst/>
+          </a:prstGeom>
+          <a:solidFill>
+            <a:schemeClr val="accent3">
+              <a:lumMod val="60000"/>
+              <a:lumOff val="40000"/>
+            </a:schemeClr>
+          </a:solidFill>
+          <a:ln>
+            <a:noFill/>
+          </a:ln>
+        </p:spPr>
+        <p:style>
+          <a:lnRef idx="2">
+            <a:schemeClr val="accent1">
+              <a:lumMod val="75000"/>
+            </a:schemeClr>
+          </a:lnRef>
+          <a:fillRef idx="1">
+            <a:schemeClr val="accent1"/>
+          </a:fillRef>
+          <a:effectRef idx="0">
+            <a:srgbClr val="FFFFFF"/>
+          </a:effectRef>
+          <a:fontRef idx="minor">
+            <a:schemeClr val="lt1"/>
+          </a:fontRef>
+        </p:style>
+        <p:txBody>
+          <a:bodyPr rtlCol="0" anchor="ctr"/>
+          <a:p>
+            <a:pPr algn="ctr"/>
+            <a:r>
+              <a:rPr lang="zh-CN" altLang="en-US">
+                <a:solidFill>
+                  <a:schemeClr val="tx1"/>
+                </a:solidFill>
+                <a:latin typeface="微软雅黑" panose="020B0503020204020204" charset="-122"/>
+                <a:ea typeface="微软雅黑" panose="020B0503020204020204" charset="-122"/>
+              </a:rPr>
+              <a:t>创建新区块链</a:t>
+            </a:r>
+            <a:endParaRPr lang="zh-CN" altLang="en-US">
+              <a:solidFill>
+                <a:schemeClr val="tx1"/>
+              </a:solidFill>
+              <a:latin typeface="微软雅黑" panose="020B0503020204020204" charset="-122"/>
+              <a:ea typeface="微软雅黑" panose="020B0503020204020204" charset="-122"/>
+            </a:endParaRPr>
+          </a:p>
+        </p:txBody>
+      </p:sp>
+      <p:sp>
+        <p:nvSpPr>
+          <p:cNvPr id="30" name="矩形 29"/>
+          <p:cNvSpPr/>
+          <p:nvPr/>
+        </p:nvSpPr>
+        <p:spPr>
+          <a:xfrm>
+            <a:off x="4256405" y="3860800"/>
+            <a:ext cx="1887855" cy="645795"/>
+          </a:xfrm>
+          <a:prstGeom prst="rect">
+            <a:avLst/>
+          </a:prstGeom>
+          <a:solidFill>
+            <a:schemeClr val="accent3">
+              <a:lumMod val="60000"/>
+              <a:lumOff val="40000"/>
+            </a:schemeClr>
+          </a:solidFill>
+          <a:ln>
+            <a:noFill/>
+          </a:ln>
+        </p:spPr>
+        <p:style>
+          <a:lnRef idx="2">
+            <a:schemeClr val="accent1">
+              <a:lumMod val="75000"/>
+            </a:schemeClr>
+          </a:lnRef>
+          <a:fillRef idx="1">
+            <a:schemeClr val="accent1"/>
+          </a:fillRef>
+          <a:effectRef idx="0">
+            <a:srgbClr val="FFFFFF"/>
+          </a:effectRef>
+          <a:fontRef idx="minor">
+            <a:schemeClr val="lt1"/>
+          </a:fontRef>
+        </p:style>
+        <p:txBody>
+          <a:bodyPr rtlCol="0" anchor="ctr"/>
+          <a:p>
+            <a:pPr algn="ctr"/>
+            <a:r>
+              <a:rPr lang="zh-CN" altLang="en-US">
+                <a:solidFill>
+                  <a:schemeClr val="tx1"/>
+                </a:solidFill>
+                <a:latin typeface="微软雅黑" panose="020B0503020204020204" charset="-122"/>
+                <a:ea typeface="微软雅黑" panose="020B0503020204020204" charset="-122"/>
+              </a:rPr>
+              <a:t>从文件加载</a:t>
+            </a:r>
+            <a:endParaRPr lang="zh-CN" altLang="en-US">
+              <a:solidFill>
+                <a:schemeClr val="tx1"/>
+              </a:solidFill>
+              <a:latin typeface="微软雅黑" panose="020B0503020204020204" charset="-122"/>
+              <a:ea typeface="微软雅黑" panose="020B0503020204020204" charset="-122"/>
+            </a:endParaRPr>
+          </a:p>
+          <a:p>
+            <a:pPr algn="ctr"/>
+            <a:r>
+              <a:rPr lang="zh-CN" altLang="en-US">
+                <a:solidFill>
+                  <a:schemeClr val="tx1"/>
+                </a:solidFill>
+                <a:latin typeface="微软雅黑" panose="020B0503020204020204" charset="-122"/>
+                <a:ea typeface="微软雅黑" panose="020B0503020204020204" charset="-122"/>
+              </a:rPr>
+              <a:t>区块链</a:t>
+            </a:r>
+            <a:endParaRPr lang="zh-CN" altLang="en-US">
+              <a:solidFill>
+                <a:schemeClr val="tx1"/>
+              </a:solidFill>
+              <a:latin typeface="微软雅黑" panose="020B0503020204020204" charset="-122"/>
+              <a:ea typeface="微软雅黑" panose="020B0503020204020204" charset="-122"/>
+            </a:endParaRPr>
+          </a:p>
+        </p:txBody>
+      </p:sp>
+      <p:sp>
+        <p:nvSpPr>
+          <p:cNvPr id="31" name="矩形 30"/>
+          <p:cNvSpPr/>
+          <p:nvPr/>
+        </p:nvSpPr>
+        <p:spPr>
+          <a:xfrm>
+            <a:off x="9249410" y="2783205"/>
+            <a:ext cx="1887855" cy="645795"/>
+          </a:xfrm>
+          <a:prstGeom prst="rect">
+            <a:avLst/>
+          </a:prstGeom>
+          <a:solidFill>
+            <a:schemeClr val="accent3">
+              <a:lumMod val="60000"/>
+              <a:lumOff val="40000"/>
+            </a:schemeClr>
+          </a:solidFill>
+          <a:ln>
+            <a:noFill/>
+          </a:ln>
+        </p:spPr>
+        <p:style>
+          <a:lnRef idx="2">
+            <a:schemeClr val="accent1">
+              <a:lumMod val="75000"/>
+            </a:schemeClr>
+          </a:lnRef>
+          <a:fillRef idx="1">
+            <a:schemeClr val="accent1"/>
+          </a:fillRef>
+          <a:effectRef idx="0">
+            <a:srgbClr val="FFFFFF"/>
+          </a:effectRef>
+          <a:fontRef idx="minor">
+            <a:schemeClr val="lt1"/>
+          </a:fontRef>
+        </p:style>
+        <p:txBody>
+          <a:bodyPr rtlCol="0" anchor="ctr"/>
+          <a:p>
+            <a:pPr algn="ctr"/>
+            <a:r>
+              <a:rPr lang="zh-CN" altLang="en-US">
+                <a:solidFill>
+                  <a:schemeClr val="tx1"/>
+                </a:solidFill>
+                <a:latin typeface="微软雅黑" panose="020B0503020204020204" charset="-122"/>
+                <a:ea typeface="微软雅黑" panose="020B0503020204020204" charset="-122"/>
+              </a:rPr>
+              <a:t>添加文件</a:t>
+            </a:r>
+            <a:endParaRPr lang="zh-CN" altLang="en-US">
+              <a:solidFill>
+                <a:schemeClr val="tx1"/>
+              </a:solidFill>
+              <a:latin typeface="微软雅黑" panose="020B0503020204020204" charset="-122"/>
+              <a:ea typeface="微软雅黑" panose="020B0503020204020204" charset="-122"/>
+            </a:endParaRPr>
+          </a:p>
+        </p:txBody>
+      </p:sp>
+      <p:sp>
+        <p:nvSpPr>
+          <p:cNvPr id="32" name="矩形 31"/>
+          <p:cNvSpPr/>
+          <p:nvPr/>
+        </p:nvSpPr>
+        <p:spPr>
+          <a:xfrm>
+            <a:off x="9249410" y="5084445"/>
+            <a:ext cx="1887855" cy="645795"/>
+          </a:xfrm>
+          <a:prstGeom prst="rect">
+            <a:avLst/>
+          </a:prstGeom>
+          <a:solidFill>
+            <a:schemeClr val="accent3">
+              <a:lumMod val="60000"/>
+              <a:lumOff val="40000"/>
+            </a:schemeClr>
+          </a:solidFill>
+          <a:ln>
+            <a:noFill/>
+          </a:ln>
+        </p:spPr>
+        <p:style>
+          <a:lnRef idx="2">
+            <a:schemeClr val="accent1">
+              <a:lumMod val="75000"/>
+            </a:schemeClr>
+          </a:lnRef>
+          <a:fillRef idx="1">
+            <a:schemeClr val="accent1"/>
+          </a:fillRef>
+          <a:effectRef idx="0">
+            <a:srgbClr val="FFFFFF"/>
+          </a:effectRef>
+          <a:fontRef idx="minor">
+            <a:schemeClr val="lt1"/>
+          </a:fontRef>
+        </p:style>
+        <p:txBody>
+          <a:bodyPr rtlCol="0" anchor="ctr"/>
+          <a:p>
+            <a:pPr algn="ctr"/>
+            <a:r>
+              <a:rPr lang="zh-CN" altLang="en-US">
+                <a:solidFill>
+                  <a:schemeClr val="tx1"/>
+                </a:solidFill>
+                <a:latin typeface="微软雅黑" panose="020B0503020204020204" charset="-122"/>
+                <a:ea typeface="微软雅黑" panose="020B0503020204020204" charset="-122"/>
+              </a:rPr>
+              <a:t>上传</a:t>
+            </a:r>
+            <a:endParaRPr lang="zh-CN" altLang="en-US">
+              <a:solidFill>
+                <a:schemeClr val="tx1"/>
+              </a:solidFill>
+              <a:latin typeface="微软雅黑" panose="020B0503020204020204" charset="-122"/>
+              <a:ea typeface="微软雅黑" panose="020B0503020204020204" charset="-122"/>
+            </a:endParaRPr>
+          </a:p>
+        </p:txBody>
+      </p:sp>
+      <p:sp>
+        <p:nvSpPr>
+          <p:cNvPr id="33" name="矩形 32"/>
+          <p:cNvSpPr/>
+          <p:nvPr/>
+        </p:nvSpPr>
+        <p:spPr>
+          <a:xfrm>
+            <a:off x="6470650" y="2783205"/>
+            <a:ext cx="1887855" cy="645795"/>
+          </a:xfrm>
+          <a:prstGeom prst="rect">
+            <a:avLst/>
+          </a:prstGeom>
+          <a:solidFill>
+            <a:schemeClr val="accent3">
+              <a:lumMod val="60000"/>
+              <a:lumOff val="40000"/>
+            </a:schemeClr>
+          </a:solidFill>
+          <a:ln>
+            <a:noFill/>
+          </a:ln>
+        </p:spPr>
+        <p:style>
+          <a:lnRef idx="2">
+            <a:schemeClr val="accent1">
+              <a:lumMod val="75000"/>
+            </a:schemeClr>
+          </a:lnRef>
+          <a:fillRef idx="1">
+            <a:schemeClr val="accent1"/>
+          </a:fillRef>
+          <a:effectRef idx="0">
+            <a:srgbClr val="FFFFFF"/>
+          </a:effectRef>
+          <a:fontRef idx="minor">
+            <a:schemeClr val="lt1"/>
+          </a:fontRef>
+        </p:style>
+        <p:txBody>
+          <a:bodyPr rtlCol="0" anchor="ctr"/>
+          <a:p>
+            <a:pPr algn="ctr"/>
+            <a:r>
+              <a:rPr lang="zh-CN" altLang="en-US">
+                <a:solidFill>
+                  <a:schemeClr val="tx1"/>
+                </a:solidFill>
+                <a:latin typeface="微软雅黑" panose="020B0503020204020204" charset="-122"/>
+                <a:ea typeface="微软雅黑" panose="020B0503020204020204" charset="-122"/>
+              </a:rPr>
+              <a:t>区块链</a:t>
+            </a:r>
+            <a:endParaRPr lang="zh-CN" altLang="en-US">
+              <a:solidFill>
+                <a:schemeClr val="tx1"/>
+              </a:solidFill>
+              <a:latin typeface="微软雅黑" panose="020B0503020204020204" charset="-122"/>
+              <a:ea typeface="微软雅黑" panose="020B0503020204020204" charset="-122"/>
+            </a:endParaRPr>
+          </a:p>
+          <a:p>
+            <a:pPr algn="ctr"/>
+            <a:r>
+              <a:rPr lang="zh-CN" altLang="en-US">
+                <a:solidFill>
+                  <a:schemeClr val="tx1"/>
+                </a:solidFill>
+                <a:latin typeface="微软雅黑" panose="020B0503020204020204" charset="-122"/>
+                <a:ea typeface="微软雅黑" panose="020B0503020204020204" charset="-122"/>
+              </a:rPr>
+              <a:t>载入完成</a:t>
+            </a:r>
+            <a:endParaRPr lang="zh-CN" altLang="en-US">
+              <a:solidFill>
+                <a:schemeClr val="tx1"/>
+              </a:solidFill>
+              <a:latin typeface="微软雅黑" panose="020B0503020204020204" charset="-122"/>
+              <a:ea typeface="微软雅黑" panose="020B0503020204020204" charset="-122"/>
+            </a:endParaRPr>
+          </a:p>
+        </p:txBody>
+      </p:sp>
+      <p:sp>
+        <p:nvSpPr>
+          <p:cNvPr id="34" name="菱形 33"/>
+          <p:cNvSpPr/>
+          <p:nvPr/>
+        </p:nvSpPr>
+        <p:spPr>
+          <a:xfrm>
+            <a:off x="2696210" y="2783205"/>
+            <a:ext cx="1289685" cy="661035"/>
+          </a:xfrm>
+          <a:prstGeom prst="diamond">
+            <a:avLst/>
+          </a:prstGeom>
+          <a:solidFill>
+            <a:srgbClr val="ACD78E"/>
+          </a:solidFill>
+          <a:ln>
+            <a:noFill/>
+          </a:ln>
+        </p:spPr>
+        <p:style>
+          <a:lnRef idx="2">
+            <a:schemeClr val="accent1">
+              <a:lumMod val="75000"/>
+            </a:schemeClr>
+          </a:lnRef>
+          <a:fillRef idx="1">
+            <a:schemeClr val="accent1"/>
+          </a:fillRef>
+          <a:effectRef idx="0">
+            <a:srgbClr val="FFFFFF"/>
+          </a:effectRef>
+          <a:fontRef idx="minor">
+            <a:schemeClr val="lt1"/>
+          </a:fontRef>
+        </p:style>
+        <p:txBody>
+          <a:bodyPr rtlCol="0" anchor="ctr"/>
+          <a:p>
+            <a:pPr algn="ctr"/>
+            <a:r>
+              <a:rPr lang="zh-CN" altLang="en-US">
+                <a:solidFill>
+                  <a:schemeClr val="tx1"/>
+                </a:solidFill>
+                <a:latin typeface="微软雅黑" panose="020B0503020204020204" charset="-122"/>
+                <a:ea typeface="微软雅黑" panose="020B0503020204020204" charset="-122"/>
+              </a:rPr>
+              <a:t>载入</a:t>
+            </a:r>
+            <a:endParaRPr lang="zh-CN" altLang="en-US">
+              <a:solidFill>
+                <a:schemeClr val="tx1"/>
+              </a:solidFill>
+              <a:latin typeface="微软雅黑" panose="020B0503020204020204" charset="-122"/>
+              <a:ea typeface="微软雅黑" panose="020B0503020204020204" charset="-122"/>
+            </a:endParaRPr>
+          </a:p>
+        </p:txBody>
+      </p:sp>
+      <p:cxnSp>
+        <p:nvCxnSpPr>
+          <p:cNvPr id="35" name="直接箭头连接符 34"/>
+          <p:cNvCxnSpPr>
+            <a:stCxn id="4" idx="3"/>
+            <a:endCxn id="34" idx="1"/>
+          </p:cNvCxnSpPr>
+          <p:nvPr/>
+        </p:nvCxnSpPr>
+        <p:spPr>
+          <a:xfrm>
+            <a:off x="2177415" y="3106420"/>
+            <a:ext cx="518795" cy="7620"/>
+          </a:xfrm>
+          <a:prstGeom prst="straightConnector1">
+            <a:avLst/>
+          </a:prstGeom>
+          <a:ln>
+            <a:tailEnd type="arrow"/>
+          </a:ln>
+        </p:spPr>
+        <p:style>
+          <a:lnRef idx="2">
+            <a:schemeClr val="accent1"/>
+          </a:lnRef>
+          <a:fillRef idx="0">
+            <a:srgbClr val="FFFFFF"/>
+          </a:fillRef>
+          <a:effectRef idx="0">
+            <a:srgbClr val="FFFFFF"/>
+          </a:effectRef>
+          <a:fontRef idx="minor">
+            <a:schemeClr val="tx1"/>
+          </a:fontRef>
+        </p:style>
+      </p:cxnSp>
+      <p:cxnSp>
+        <p:nvCxnSpPr>
+          <p:cNvPr id="36" name="肘形连接符 35"/>
+          <p:cNvCxnSpPr>
+            <a:stCxn id="34" idx="0"/>
+            <a:endCxn id="29" idx="1"/>
+          </p:cNvCxnSpPr>
+          <p:nvPr/>
+        </p:nvCxnSpPr>
+        <p:spPr>
+          <a:xfrm rot="16200000">
+            <a:off x="3434715" y="1961515"/>
+            <a:ext cx="728345" cy="915035"/>
+          </a:xfrm>
+          <a:prstGeom prst="bentConnector2">
+            <a:avLst/>
+          </a:prstGeom>
+          <a:ln>
+            <a:tailEnd type="arrow"/>
+          </a:ln>
+        </p:spPr>
+        <p:style>
+          <a:lnRef idx="2">
+            <a:schemeClr val="accent1"/>
+          </a:lnRef>
+          <a:fillRef idx="0">
+            <a:srgbClr val="FFFFFF"/>
+          </a:fillRef>
+          <a:effectRef idx="0">
+            <a:srgbClr val="FFFFFF"/>
+          </a:effectRef>
+          <a:fontRef idx="minor">
+            <a:schemeClr val="tx1"/>
+          </a:fontRef>
+        </p:style>
+      </p:cxnSp>
+      <p:cxnSp>
+        <p:nvCxnSpPr>
+          <p:cNvPr id="37" name="肘形连接符 36"/>
+          <p:cNvCxnSpPr>
+            <a:stCxn id="34" idx="2"/>
+            <a:endCxn id="30" idx="1"/>
+          </p:cNvCxnSpPr>
+          <p:nvPr/>
+        </p:nvCxnSpPr>
+        <p:spPr>
+          <a:xfrm rot="5400000" flipV="1">
+            <a:off x="3429000" y="3356610"/>
+            <a:ext cx="739775" cy="915035"/>
+          </a:xfrm>
+          <a:prstGeom prst="bentConnector2">
+            <a:avLst/>
+          </a:prstGeom>
+          <a:ln>
+            <a:tailEnd type="arrow"/>
+          </a:ln>
+        </p:spPr>
+        <p:style>
+          <a:lnRef idx="2">
+            <a:schemeClr val="accent1"/>
+          </a:lnRef>
+          <a:fillRef idx="0">
+            <a:srgbClr val="FFFFFF"/>
+          </a:fillRef>
+          <a:effectRef idx="0">
+            <a:srgbClr val="FFFFFF"/>
+          </a:effectRef>
+          <a:fontRef idx="minor">
+            <a:schemeClr val="tx1"/>
+          </a:fontRef>
+        </p:style>
+      </p:cxnSp>
+      <p:cxnSp>
+        <p:nvCxnSpPr>
+          <p:cNvPr id="38" name="肘形连接符 37"/>
+          <p:cNvCxnSpPr>
+            <a:stCxn id="29" idx="3"/>
+            <a:endCxn id="33" idx="0"/>
+          </p:cNvCxnSpPr>
+          <p:nvPr/>
+        </p:nvCxnSpPr>
+        <p:spPr>
+          <a:xfrm>
+            <a:off x="6144260" y="2054860"/>
+            <a:ext cx="1270635" cy="728345"/>
+          </a:xfrm>
+          <a:prstGeom prst="bentConnector2">
+            <a:avLst/>
+          </a:prstGeom>
+          <a:ln>
+            <a:tailEnd type="arrow"/>
+          </a:ln>
+        </p:spPr>
+        <p:style>
+          <a:lnRef idx="2">
+            <a:schemeClr val="accent1"/>
+          </a:lnRef>
+          <a:fillRef idx="0">
+            <a:srgbClr val="FFFFFF"/>
+          </a:fillRef>
+          <a:effectRef idx="0">
+            <a:srgbClr val="FFFFFF"/>
+          </a:effectRef>
+          <a:fontRef idx="minor">
+            <a:schemeClr val="tx1"/>
+          </a:fontRef>
+        </p:style>
+      </p:cxnSp>
+      <p:cxnSp>
+        <p:nvCxnSpPr>
+          <p:cNvPr id="39" name="肘形连接符 38"/>
+          <p:cNvCxnSpPr>
+            <a:stCxn id="30" idx="3"/>
+            <a:endCxn id="33" idx="2"/>
+          </p:cNvCxnSpPr>
+          <p:nvPr/>
+        </p:nvCxnSpPr>
+        <p:spPr>
+          <a:xfrm flipV="1">
+            <a:off x="6144260" y="3429000"/>
+            <a:ext cx="1270635" cy="755015"/>
+          </a:xfrm>
+          <a:prstGeom prst="bentConnector2">
+            <a:avLst/>
+          </a:prstGeom>
+          <a:ln>
+            <a:tailEnd type="arrow"/>
+          </a:ln>
+        </p:spPr>
+        <p:style>
+          <a:lnRef idx="2">
+            <a:schemeClr val="accent1"/>
+          </a:lnRef>
+          <a:fillRef idx="0">
+            <a:srgbClr val="FFFFFF"/>
+          </a:fillRef>
+          <a:effectRef idx="0">
+            <a:srgbClr val="FFFFFF"/>
+          </a:effectRef>
+          <a:fontRef idx="minor">
+            <a:schemeClr val="tx1"/>
+          </a:fontRef>
+        </p:style>
+      </p:cxnSp>
+      <p:sp>
+        <p:nvSpPr>
+          <p:cNvPr id="40" name="菱形 39"/>
+          <p:cNvSpPr/>
+          <p:nvPr/>
+        </p:nvSpPr>
+        <p:spPr>
+          <a:xfrm>
+            <a:off x="9548495" y="3987165"/>
+            <a:ext cx="1289685" cy="661035"/>
+          </a:xfrm>
+          <a:prstGeom prst="diamond">
+            <a:avLst/>
+          </a:prstGeom>
+          <a:solidFill>
+            <a:srgbClr val="ACD78E"/>
+          </a:solidFill>
+          <a:ln>
+            <a:noFill/>
+          </a:ln>
+        </p:spPr>
+        <p:style>
+          <a:lnRef idx="2">
+            <a:schemeClr val="accent1">
+              <a:lumMod val="75000"/>
+            </a:schemeClr>
+          </a:lnRef>
+          <a:fillRef idx="1">
+            <a:schemeClr val="accent1"/>
+          </a:fillRef>
+          <a:effectRef idx="0">
+            <a:srgbClr val="FFFFFF"/>
+          </a:effectRef>
+          <a:fontRef idx="minor">
+            <a:schemeClr val="lt1"/>
+          </a:fontRef>
+        </p:style>
+        <p:txBody>
+          <a:bodyPr rtlCol="0" anchor="ctr"/>
+          <a:p>
+            <a:pPr algn="ctr"/>
+            <a:r>
+              <a:rPr lang="zh-CN" altLang="en-US">
+                <a:solidFill>
+                  <a:schemeClr val="tx1"/>
+                </a:solidFill>
+                <a:latin typeface="微软雅黑" panose="020B0503020204020204" charset="-122"/>
+                <a:ea typeface="微软雅黑" panose="020B0503020204020204" charset="-122"/>
+              </a:rPr>
+              <a:t>完成</a:t>
+            </a:r>
+            <a:endParaRPr lang="zh-CN" altLang="en-US">
+              <a:solidFill>
+                <a:schemeClr val="tx1"/>
+              </a:solidFill>
+              <a:latin typeface="微软雅黑" panose="020B0503020204020204" charset="-122"/>
+              <a:ea typeface="微软雅黑" panose="020B0503020204020204" charset="-122"/>
+            </a:endParaRPr>
+          </a:p>
+        </p:txBody>
+      </p:sp>
+      <p:cxnSp>
+        <p:nvCxnSpPr>
+          <p:cNvPr id="41" name="直接箭头连接符 40"/>
+          <p:cNvCxnSpPr>
+            <a:stCxn id="33" idx="3"/>
+            <a:endCxn id="31" idx="1"/>
+          </p:cNvCxnSpPr>
+          <p:nvPr/>
+        </p:nvCxnSpPr>
+        <p:spPr>
+          <a:xfrm>
+            <a:off x="8358505" y="3106420"/>
+            <a:ext cx="890905" cy="0"/>
+          </a:xfrm>
+          <a:prstGeom prst="straightConnector1">
+            <a:avLst/>
+          </a:prstGeom>
+          <a:ln>
+            <a:tailEnd type="arrow"/>
+          </a:ln>
+        </p:spPr>
+        <p:style>
+          <a:lnRef idx="2">
+            <a:schemeClr val="accent1"/>
+          </a:lnRef>
+          <a:fillRef idx="0">
+            <a:srgbClr val="FFFFFF"/>
+          </a:fillRef>
+          <a:effectRef idx="0">
+            <a:srgbClr val="FFFFFF"/>
+          </a:effectRef>
+          <a:fontRef idx="minor">
+            <a:schemeClr val="tx1"/>
+          </a:fontRef>
+        </p:style>
+      </p:cxnSp>
+      <p:cxnSp>
+        <p:nvCxnSpPr>
+          <p:cNvPr id="42" name="直接箭头连接符 41"/>
+          <p:cNvCxnSpPr>
+            <a:stCxn id="31" idx="2"/>
+            <a:endCxn id="40" idx="0"/>
+          </p:cNvCxnSpPr>
+          <p:nvPr/>
+        </p:nvCxnSpPr>
+        <p:spPr>
+          <a:xfrm>
+            <a:off x="10193655" y="3429000"/>
+            <a:ext cx="0" cy="558165"/>
+          </a:xfrm>
+          <a:prstGeom prst="straightConnector1">
+            <a:avLst/>
+          </a:prstGeom>
+          <a:ln>
+            <a:tailEnd type="arrow"/>
+          </a:ln>
+        </p:spPr>
+        <p:style>
+          <a:lnRef idx="2">
+            <a:schemeClr val="accent1"/>
+          </a:lnRef>
+          <a:fillRef idx="0">
+            <a:srgbClr val="FFFFFF"/>
+          </a:fillRef>
+          <a:effectRef idx="0">
+            <a:srgbClr val="FFFFFF"/>
+          </a:effectRef>
+          <a:fontRef idx="minor">
+            <a:schemeClr val="tx1"/>
+          </a:fontRef>
+        </p:style>
+      </p:cxnSp>
+      <p:cxnSp>
+        <p:nvCxnSpPr>
+          <p:cNvPr id="43" name="肘形连接符 42"/>
+          <p:cNvCxnSpPr>
+            <a:stCxn id="40" idx="3"/>
+            <a:endCxn id="31" idx="3"/>
+          </p:cNvCxnSpPr>
+          <p:nvPr/>
+        </p:nvCxnSpPr>
+        <p:spPr>
+          <a:xfrm flipV="1">
+            <a:off x="10838180" y="3106420"/>
+            <a:ext cx="299085" cy="1211580"/>
+          </a:xfrm>
+          <a:prstGeom prst="bentConnector3">
+            <a:avLst>
+              <a:gd name="adj1" fmla="val 179618"/>
+            </a:avLst>
+          </a:prstGeom>
+          <a:ln>
+            <a:tailEnd type="arrow"/>
+          </a:ln>
+        </p:spPr>
+        <p:style>
+          <a:lnRef idx="2">
+            <a:schemeClr val="accent1"/>
+          </a:lnRef>
+          <a:fillRef idx="0">
+            <a:srgbClr val="FFFFFF"/>
+          </a:fillRef>
+          <a:effectRef idx="0">
+            <a:srgbClr val="FFFFFF"/>
+          </a:effectRef>
+          <a:fontRef idx="minor">
+            <a:schemeClr val="tx1"/>
+          </a:fontRef>
+        </p:style>
+      </p:cxnSp>
+      <p:cxnSp>
+        <p:nvCxnSpPr>
+          <p:cNvPr id="44" name="直接箭头连接符 43"/>
+          <p:cNvCxnSpPr>
+            <a:stCxn id="40" idx="2"/>
+            <a:endCxn id="32" idx="0"/>
+          </p:cNvCxnSpPr>
+          <p:nvPr/>
+        </p:nvCxnSpPr>
+        <p:spPr>
+          <a:xfrm>
+            <a:off x="10193655" y="4648200"/>
+            <a:ext cx="0" cy="436245"/>
+          </a:xfrm>
+          <a:prstGeom prst="straightConnector1">
+            <a:avLst/>
+          </a:prstGeom>
+          <a:ln>
+            <a:tailEnd type="arrow"/>
+          </a:ln>
+        </p:spPr>
+        <p:style>
+          <a:lnRef idx="2">
+            <a:schemeClr val="accent1"/>
+          </a:lnRef>
+          <a:fillRef idx="0">
+            <a:srgbClr val="FFFFFF"/>
+          </a:fillRef>
+          <a:effectRef idx="0">
+            <a:srgbClr val="FFFFFF"/>
+          </a:effectRef>
+          <a:fontRef idx="minor">
+            <a:schemeClr val="tx1"/>
+          </a:fontRef>
+        </p:style>
+      </p:cxnSp>
+      <p:cxnSp>
+        <p:nvCxnSpPr>
+          <p:cNvPr id="45" name="肘形连接符 44"/>
+          <p:cNvCxnSpPr>
+            <a:stCxn id="32" idx="2"/>
+            <a:endCxn id="31" idx="0"/>
+          </p:cNvCxnSpPr>
+          <p:nvPr/>
+        </p:nvCxnSpPr>
+        <p:spPr>
+          <a:xfrm rot="5400000" flipH="1" flipV="1">
+            <a:off x="8720455" y="4256405"/>
+            <a:ext cx="2947035" cy="3175"/>
+          </a:xfrm>
+          <a:prstGeom prst="bentConnector5">
+            <a:avLst>
+              <a:gd name="adj1" fmla="val -8016"/>
+              <a:gd name="adj2" fmla="val 51620000"/>
+              <a:gd name="adj3" fmla="val 108145"/>
+            </a:avLst>
+          </a:prstGeom>
+          <a:ln>
+            <a:tailEnd type="arrow"/>
+          </a:ln>
+        </p:spPr>
+        <p:style>
+          <a:lnRef idx="2">
+            <a:schemeClr val="accent1"/>
+          </a:lnRef>
+          <a:fillRef idx="0">
+            <a:srgbClr val="FFFFFF"/>
+          </a:fillRef>
+          <a:effectRef idx="0">
+            <a:srgbClr val="FFFFFF"/>
+          </a:effectRef>
+          <a:fontRef idx="minor">
+            <a:schemeClr val="tx1"/>
+          </a:fontRef>
+        </p:style>
+      </p:cxnSp>
+      <p:sp>
+        <p:nvSpPr>
+          <p:cNvPr id="46" name="文本框 45"/>
+          <p:cNvSpPr txBox="1"/>
+          <p:nvPr/>
+        </p:nvSpPr>
+        <p:spPr>
+          <a:xfrm>
+            <a:off x="10195560" y="4648200"/>
+            <a:ext cx="656590" cy="368300"/>
+          </a:xfrm>
+          <a:prstGeom prst="rect">
+            <a:avLst/>
+          </a:prstGeom>
+          <a:noFill/>
+        </p:spPr>
+        <p:txBody>
+          <a:bodyPr wrap="square" rtlCol="0">
+            <a:spAutoFit/>
+          </a:bodyPr>
+          <a:p>
+            <a:r>
+              <a:rPr lang="zh-CN" altLang="en-US">
+                <a:latin typeface="微软雅黑" panose="020B0503020204020204" charset="-122"/>
+                <a:ea typeface="微软雅黑" panose="020B0503020204020204" charset="-122"/>
+              </a:rPr>
+              <a:t>是</a:t>
+            </a:r>
+            <a:endParaRPr lang="zh-CN" altLang="en-US">
+              <a:latin typeface="微软雅黑" panose="020B0503020204020204" charset="-122"/>
+              <a:ea typeface="微软雅黑" panose="020B0503020204020204" charset="-122"/>
+            </a:endParaRPr>
+          </a:p>
+        </p:txBody>
+      </p:sp>
+      <p:sp>
+        <p:nvSpPr>
+          <p:cNvPr id="47" name="文本框 46"/>
+          <p:cNvSpPr txBox="1"/>
+          <p:nvPr/>
+        </p:nvSpPr>
+        <p:spPr>
+          <a:xfrm>
+            <a:off x="10991850" y="3949700"/>
+            <a:ext cx="412750" cy="368300"/>
+          </a:xfrm>
+          <a:prstGeom prst="rect">
+            <a:avLst/>
+          </a:prstGeom>
+          <a:noFill/>
+        </p:spPr>
+        <p:txBody>
+          <a:bodyPr wrap="square" rtlCol="0">
+            <a:spAutoFit/>
+          </a:bodyPr>
+          <a:p>
+            <a:r>
+              <a:rPr lang="zh-CN" altLang="en-US">
+                <a:latin typeface="微软雅黑" panose="020B0503020204020204" charset="-122"/>
+                <a:ea typeface="微软雅黑" panose="020B0503020204020204" charset="-122"/>
+              </a:rPr>
+              <a:t>否</a:t>
+            </a:r>
+            <a:endParaRPr lang="zh-CN" altLang="en-US">
+              <a:latin typeface="微软雅黑" panose="020B0503020204020204" charset="-122"/>
+              <a:ea typeface="微软雅黑" panose="020B0503020204020204" charset="-122"/>
+            </a:endParaRPr>
+          </a:p>
+        </p:txBody>
+      </p:sp>
+      <p:sp>
+        <p:nvSpPr>
+          <p:cNvPr id="48" name="文本框 47"/>
+          <p:cNvSpPr txBox="1"/>
+          <p:nvPr/>
+        </p:nvSpPr>
+        <p:spPr>
+          <a:xfrm>
+            <a:off x="9117330" y="1805305"/>
+            <a:ext cx="4064000" cy="368300"/>
+          </a:xfrm>
+          <a:prstGeom prst="rect">
+            <a:avLst/>
+          </a:prstGeom>
+          <a:noFill/>
+        </p:spPr>
+        <p:txBody>
+          <a:bodyPr wrap="square" rtlCol="0">
+            <a:spAutoFit/>
+          </a:bodyPr>
+          <a:p>
+            <a:endParaRPr lang="zh-CN" altLang="en-US"/>
           </a:p>
         </p:txBody>
       </p:sp>
